--- a/Images/Figures_PPT/PieWithRictorModified.pptx
+++ b/Images/Figures_PPT/PieWithRictorModified.pptx
@@ -307,7 +307,7 @@
           <a:p>
             <a:fld id="{E6744CE3-0875-4B69-89C0-6F72D8139561}" type="datetimeFigureOut">
               <a:rPr lang="en-GB" smtClean="0"/>
-              <a:t>07/05/2025</a:t>
+              <a:t>03/06/2025</a:t>
             </a:fld>
             <a:endParaRPr lang="en-GB"/>
           </a:p>
@@ -477,7 +477,7 @@
           <a:p>
             <a:fld id="{E6744CE3-0875-4B69-89C0-6F72D8139561}" type="datetimeFigureOut">
               <a:rPr lang="en-GB" smtClean="0"/>
-              <a:t>07/05/2025</a:t>
+              <a:t>03/06/2025</a:t>
             </a:fld>
             <a:endParaRPr lang="en-GB"/>
           </a:p>
@@ -723,7 +723,7 @@
           <a:p>
             <a:fld id="{E6744CE3-0875-4B69-89C0-6F72D8139561}" type="datetimeFigureOut">
               <a:rPr lang="en-GB" smtClean="0"/>
-              <a:t>07/05/2025</a:t>
+              <a:t>03/06/2025</a:t>
             </a:fld>
             <a:endParaRPr lang="en-GB"/>
           </a:p>
@@ -1011,7 +1011,7 @@
           <a:p>
             <a:fld id="{E6744CE3-0875-4B69-89C0-6F72D8139561}" type="datetimeFigureOut">
               <a:rPr lang="en-GB" smtClean="0"/>
-              <a:t>07/05/2025</a:t>
+              <a:t>03/06/2025</a:t>
             </a:fld>
             <a:endParaRPr lang="en-GB"/>
           </a:p>
@@ -1433,7 +1433,7 @@
           <a:p>
             <a:fld id="{E6744CE3-0875-4B69-89C0-6F72D8139561}" type="datetimeFigureOut">
               <a:rPr lang="en-GB" smtClean="0"/>
-              <a:t>07/05/2025</a:t>
+              <a:t>03/06/2025</a:t>
             </a:fld>
             <a:endParaRPr lang="en-GB"/>
           </a:p>
@@ -1551,7 +1551,7 @@
           <a:p>
             <a:fld id="{E6744CE3-0875-4B69-89C0-6F72D8139561}" type="datetimeFigureOut">
               <a:rPr lang="en-GB" smtClean="0"/>
-              <a:t>07/05/2025</a:t>
+              <a:t>03/06/2025</a:t>
             </a:fld>
             <a:endParaRPr lang="en-GB"/>
           </a:p>
@@ -1646,7 +1646,7 @@
           <a:p>
             <a:fld id="{E6744CE3-0875-4B69-89C0-6F72D8139561}" type="datetimeFigureOut">
               <a:rPr lang="en-GB" smtClean="0"/>
-              <a:t>07/05/2025</a:t>
+              <a:t>03/06/2025</a:t>
             </a:fld>
             <a:endParaRPr lang="en-GB"/>
           </a:p>
@@ -1859,7 +1859,7 @@
           <a:p>
             <a:fld id="{E6744CE3-0875-4B69-89C0-6F72D8139561}" type="datetimeFigureOut">
               <a:rPr lang="en-GB" smtClean="0"/>
-              <a:t>07/05/2025</a:t>
+              <a:t>03/06/2025</a:t>
             </a:fld>
             <a:endParaRPr lang="en-GB"/>
           </a:p>
@@ -2238,10 +2238,10 @@
         </p:nvGrpSpPr>
         <p:grpSpPr>
           <a:xfrm>
-            <a:off x="-1034201" y="0"/>
-            <a:ext cx="10178201" cy="6400800"/>
-            <a:chOff x="-119801" y="914400"/>
-            <a:chExt cx="10178201" cy="6400800"/>
+            <a:off x="9347" y="6799"/>
+            <a:ext cx="9144000" cy="6400800"/>
+            <a:chOff x="923747" y="921199"/>
+            <a:chExt cx="9144000" cy="6400800"/>
           </a:xfrm>
         </p:grpSpPr>
         <p:sp>
@@ -2252,7 +2252,7 @@
           </p:nvSpPr>
           <p:spPr>
             <a:xfrm>
-              <a:off x="914400" y="914400"/>
+              <a:off x="923747" y="921199"/>
               <a:ext cx="9144000" cy="6400800"/>
             </a:xfrm>
             <a:prstGeom prst="rect">
@@ -3965,7 +3965,7 @@
                 </a:spcAft>
               </a:pPr>
               <a:r>
-                <a:rPr sz="1707" dirty="0">
+                <a:rPr sz="1707" b="1" dirty="0">
                   <a:solidFill>
                     <a:srgbClr val="000000">
                       <a:alpha val="100000"/>
@@ -4011,7 +4011,7 @@
                 </a:spcAft>
               </a:pPr>
               <a:r>
-                <a:rPr sz="1707" dirty="0">
+                <a:rPr sz="1707" b="1" dirty="0">
                   <a:solidFill>
                     <a:srgbClr val="000000">
                       <a:alpha val="100000"/>
@@ -4033,7 +4033,7 @@
           </p:nvSpPr>
           <p:spPr>
             <a:xfrm>
-              <a:off x="5608657" y="3508481"/>
+              <a:off x="5702424" y="3508481"/>
               <a:ext cx="2036510" cy="157737"/>
             </a:xfrm>
             <a:prstGeom prst="rect">
@@ -4057,7 +4057,7 @@
                 </a:spcAft>
               </a:pPr>
               <a:r>
-                <a:rPr sz="1707">
+                <a:rPr sz="1707" b="1" dirty="0">
                   <a:solidFill>
                     <a:srgbClr val="000000">
                       <a:alpha val="100000"/>
@@ -4103,7 +4103,7 @@
                 </a:spcAft>
               </a:pPr>
               <a:r>
-                <a:rPr sz="1707">
+                <a:rPr sz="1707" b="1" dirty="0">
                   <a:solidFill>
                     <a:srgbClr val="000000">
                       <a:alpha val="100000"/>
@@ -4149,6 +4149,18 @@
                 </a:spcAft>
               </a:pPr>
               <a:r>
+                <a:rPr sz="1707" b="1" dirty="0">
+                  <a:solidFill>
+                    <a:srgbClr val="000000">
+                      <a:alpha val="100000"/>
+                    </a:srgbClr>
+                  </a:solidFill>
+                  <a:latin typeface="Arial"/>
+                  <a:cs typeface="Arial"/>
+                </a:rPr>
+                <a:t>Mixotroph</a:t>
+              </a:r>
+              <a:r>
                 <a:rPr sz="1707" dirty="0">
                   <a:solidFill>
                     <a:srgbClr val="000000">
@@ -4158,7 +4170,7 @@
                   <a:latin typeface="Arial"/>
                   <a:cs typeface="Arial"/>
                 </a:rPr>
-                <a:t>Mixotroph </a:t>
+                <a:t> </a:t>
               </a:r>
             </a:p>
           </p:txBody>
@@ -4195,7 +4207,7 @@
                 </a:spcAft>
               </a:pPr>
               <a:r>
-                <a:rPr sz="1707" dirty="0">
+                <a:rPr sz="1707" b="1" dirty="0">
                   <a:solidFill>
                     <a:srgbClr val="000000">
                       <a:alpha val="100000"/>
@@ -4241,7 +4253,7 @@
                 </a:spcAft>
               </a:pPr>
               <a:r>
-                <a:rPr sz="1707">
+                <a:rPr sz="1707" b="1" dirty="0">
                   <a:solidFill>
                     <a:srgbClr val="000000">
                       <a:alpha val="100000"/>
@@ -4287,7 +4299,7 @@
                 </a:spcAft>
               </a:pPr>
               <a:r>
-                <a:rPr sz="1707">
+                <a:rPr sz="1707" b="1" dirty="0">
                   <a:solidFill>
                     <a:srgbClr val="000000">
                       <a:alpha val="100000"/>
@@ -4333,6 +4345,18 @@
                 </a:spcAft>
               </a:pPr>
               <a:r>
+                <a:rPr sz="1707" b="1" dirty="0">
+                  <a:solidFill>
+                    <a:srgbClr val="000000">
+                      <a:alpha val="100000"/>
+                    </a:srgbClr>
+                  </a:solidFill>
+                  <a:latin typeface="Arial"/>
+                  <a:cs typeface="Arial"/>
+                </a:rPr>
+                <a:t>Autotrophic</a:t>
+              </a:r>
+              <a:r>
                 <a:rPr sz="1707" dirty="0">
                   <a:solidFill>
                     <a:srgbClr val="000000">
@@ -4342,7 +4366,7 @@
                   <a:latin typeface="Arial"/>
                   <a:cs typeface="Arial"/>
                 </a:rPr>
-                <a:t>Autotrophic </a:t>
+                <a:t> </a:t>
               </a:r>
             </a:p>
           </p:txBody>
@@ -4379,7 +4403,7 @@
                 </a:spcAft>
               </a:pPr>
               <a:r>
-                <a:rPr sz="1707" dirty="0">
+                <a:rPr sz="1707" b="1" dirty="0">
                   <a:solidFill>
                     <a:srgbClr val="000000">
                       <a:alpha val="100000"/>
@@ -4389,89 +4413,6 @@
                   <a:cs typeface="Arial"/>
                 </a:rPr>
                 <a:t> 9.195 %</a:t>
-              </a:r>
-            </a:p>
-          </p:txBody>
-        </p:sp>
-        <p:sp>
-          <p:nvSpPr>
-            <p:cNvPr id="20" name="tx19"/>
-            <p:cNvSpPr/>
-            <p:nvPr/>
-          </p:nvSpPr>
-          <p:spPr>
-            <a:xfrm>
-              <a:off x="-119801" y="1179406"/>
-              <a:ext cx="4250427" cy="152578"/>
-            </a:xfrm>
-            <a:prstGeom prst="rect">
-              <a:avLst/>
-            </a:prstGeom>
-            <a:noFill/>
-          </p:spPr>
-          <p:txBody>
-            <a:bodyPr wrap="none" lIns="0" tIns="0" rIns="0" bIns="0" anchor="ctr" anchorCtr="1"/>
-            <a:lstStyle/>
-            <a:p>
-              <a:pPr marL="0" marR="0" indent="0" algn="l">
-                <a:lnSpc>
-                  <a:spcPts val="1320"/>
-                </a:lnSpc>
-                <a:spcBef>
-                  <a:spcPts val="0"/>
-                </a:spcBef>
-                <a:spcAft>
-                  <a:spcPts val="0"/>
-                </a:spcAft>
-              </a:pPr>
-              <a:r>
-                <a:rPr sz="1320" dirty="0">
-                  <a:solidFill>
-                    <a:srgbClr val="000000">
-                      <a:alpha val="100000"/>
-                    </a:srgbClr>
-                  </a:solidFill>
-                  <a:latin typeface="Times New Roman"/>
-                  <a:cs typeface="Times New Roman"/>
-                </a:rPr>
-                <a:t>Metabolic Strategy Breakdown</a:t>
-              </a:r>
-              <a:r>
-                <a:rPr lang="en-US" sz="1320" dirty="0">
-                  <a:solidFill>
-                    <a:srgbClr val="000000">
-                      <a:alpha val="100000"/>
-                    </a:srgbClr>
-                  </a:solidFill>
-                  <a:latin typeface="Times New Roman"/>
-                  <a:cs typeface="Times New Roman"/>
-                </a:rPr>
-                <a:t>:</a:t>
-              </a:r>
-            </a:p>
-            <a:p>
-              <a:pPr marL="0" marR="0" indent="0" algn="l">
-                <a:lnSpc>
-                  <a:spcPts val="1320"/>
-                </a:lnSpc>
-                <a:spcBef>
-                  <a:spcPts val="0"/>
-                </a:spcBef>
-                <a:spcAft>
-                  <a:spcPts val="0"/>
-                </a:spcAft>
-              </a:pPr>
-              <a:r>
-                <a:rPr sz="1320" dirty="0">
-                  <a:solidFill>
-                    <a:srgbClr val="000000">
-                      <a:alpha val="100000"/>
-                    </a:srgbClr>
-                  </a:solidFill>
-                  <a:latin typeface="Times New Roman"/>
-                  <a:cs typeface="Times New Roman"/>
-                </a:rPr>
-                <a:t>  Have Rictor</a:t>
               </a:r>
             </a:p>
           </p:txBody>
